--- a/[2024-1 기초 스터디] 8. 스택, 큐, 덱.pptx
+++ b/[2024-1 기초 스터디] 8. 스택, 큐, 덱.pptx
@@ -48,7 +48,6 @@
     <p:sldId id="344" r:id="rId42"/>
     <p:sldId id="345" r:id="rId43"/>
     <p:sldId id="343" r:id="rId44"/>
-    <p:sldId id="346" r:id="rId45"/>
   </p:sldIdLst>
   <p:sldSz cx="12192000" cy="6858000"/>
   <p:notesSz cx="6858000" cy="9144000"/>
@@ -16137,180 +16136,6 @@
 </p:sld>
 </file>
 
-<file path=ppt/slides/slide44.xml><?xml version="1.0" encoding="utf-8"?>
-<p:sld xmlns:a="http://schemas.openxmlformats.org/drawingml/2006/main" xmlns:r="http://schemas.openxmlformats.org/officeDocument/2006/relationships" xmlns:p="http://schemas.openxmlformats.org/presentationml/2006/main">
-  <p:cSld>
-    <p:spTree>
-      <p:nvGrpSpPr>
-        <p:cNvPr id="1" name=""/>
-        <p:cNvGrpSpPr/>
-        <p:nvPr/>
-      </p:nvGrpSpPr>
-      <p:grpSpPr>
-        <a:xfrm>
-          <a:off x="0" y="0"/>
-          <a:ext cx="0" cy="0"/>
-          <a:chOff x="0" y="0"/>
-          <a:chExt cx="0" cy="0"/>
-        </a:xfrm>
-      </p:grpSpPr>
-      <p:sp>
-        <p:nvSpPr>
-          <p:cNvPr id="2" name="제목 1">
-            <a:extLst>
-              <a:ext uri="{FF2B5EF4-FFF2-40B4-BE49-F238E27FC236}">
-                <a16:creationId xmlns:a16="http://schemas.microsoft.com/office/drawing/2014/main" id="{6CB6E1F4-4C74-3EE8-E351-CE1498A62B44}"/>
-              </a:ext>
-            </a:extLst>
-          </p:cNvPr>
-          <p:cNvSpPr>
-            <a:spLocks noGrp="1"/>
-          </p:cNvSpPr>
-          <p:nvPr>
-            <p:ph type="title"/>
-          </p:nvPr>
-        </p:nvSpPr>
-        <p:spPr/>
-        <p:txBody>
-          <a:bodyPr/>
-          <a:lstStyle/>
-          <a:p>
-            <a:r>
-              <a:rPr lang="ko-KR" altLang="en-US" dirty="0"/>
-              <a:t>다음 주 공지</a:t>
-            </a:r>
-          </a:p>
-        </p:txBody>
-      </p:sp>
-      <p:sp>
-        <p:nvSpPr>
-          <p:cNvPr id="3" name="내용 개체 틀 2">
-            <a:extLst>
-              <a:ext uri="{FF2B5EF4-FFF2-40B4-BE49-F238E27FC236}">
-                <a16:creationId xmlns:a16="http://schemas.microsoft.com/office/drawing/2014/main" id="{6C5FBF04-8D35-56E7-A037-407793CA228B}"/>
-              </a:ext>
-            </a:extLst>
-          </p:cNvPr>
-          <p:cNvSpPr>
-            <a:spLocks noGrp="1"/>
-          </p:cNvSpPr>
-          <p:nvPr>
-            <p:ph idx="1"/>
-          </p:nvPr>
-        </p:nvSpPr>
-        <p:spPr>
-          <a:xfrm>
-            <a:off x="1587710" y="2160016"/>
-            <a:ext cx="9963588" cy="4315429"/>
-          </a:xfrm>
-        </p:spPr>
-        <p:txBody>
-          <a:bodyPr>
-            <a:normAutofit/>
-          </a:bodyPr>
-          <a:lstStyle/>
-          <a:p>
-            <a:r>
-              <a:rPr lang="ko-KR" altLang="en-US" sz="3200" dirty="0"/>
-              <a:t>다음 주는 </a:t>
-            </a:r>
-            <a:r>
-              <a:rPr lang="ko-KR" altLang="en-US" sz="3200" b="1" dirty="0">
-                <a:solidFill>
-                  <a:srgbClr val="92D050"/>
-                </a:solidFill>
-              </a:rPr>
-              <a:t>기초 스터디 대회</a:t>
-            </a:r>
-            <a:r>
-              <a:rPr lang="ko-KR" altLang="en-US" sz="3200" dirty="0"/>
-              <a:t>입니다</a:t>
-            </a:r>
-            <a:r>
-              <a:rPr lang="en-US" altLang="ko-KR" sz="3200" dirty="0"/>
-              <a:t>!</a:t>
-            </a:r>
-          </a:p>
-          <a:p>
-            <a:r>
-              <a:rPr lang="en-US" altLang="ko-KR" sz="3200" dirty="0"/>
-              <a:t>8</a:t>
-            </a:r>
-            <a:r>
-              <a:rPr lang="ko-KR" altLang="en-US" sz="3200" dirty="0"/>
-              <a:t>주차까지 공부한 개념과 관련된 문제를</a:t>
-            </a:r>
-            <a:br>
-              <a:rPr lang="en-US" altLang="ko-KR" sz="3200" dirty="0"/>
-            </a:br>
-            <a:r>
-              <a:rPr lang="en-US" altLang="ko-KR" sz="3200" dirty="0"/>
-              <a:t>1</a:t>
-            </a:r>
-            <a:r>
-              <a:rPr lang="ko-KR" altLang="en-US" sz="3200" dirty="0"/>
-              <a:t>시간 동안 빠르게 푸는 대회입니다</a:t>
-            </a:r>
-            <a:r>
-              <a:rPr lang="en-US" altLang="ko-KR" sz="3200" dirty="0"/>
-              <a:t>.</a:t>
-            </a:r>
-          </a:p>
-          <a:p>
-            <a:r>
-              <a:rPr lang="ko-KR" altLang="en-US" sz="3200" dirty="0"/>
-              <a:t>대회 후에는 간단하게 </a:t>
-            </a:r>
-            <a:r>
-              <a:rPr lang="ko-KR" altLang="en-US" sz="3200" b="1" dirty="0">
-                <a:solidFill>
-                  <a:srgbClr val="92D050"/>
-                </a:solidFill>
-              </a:rPr>
-              <a:t>문제 리뷰</a:t>
-            </a:r>
-            <a:r>
-              <a:rPr lang="ko-KR" altLang="en-US" sz="3200" dirty="0"/>
-              <a:t> 후 마칠 예정입니다</a:t>
-            </a:r>
-            <a:r>
-              <a:rPr lang="en-US" altLang="ko-KR" sz="3200" dirty="0"/>
-              <a:t>!</a:t>
-            </a:r>
-          </a:p>
-          <a:p>
-            <a:r>
-              <a:rPr lang="ko-KR" altLang="en-US" sz="3200" dirty="0"/>
-              <a:t>대회도 출석에 포함되며</a:t>
-            </a:r>
-            <a:r>
-              <a:rPr lang="en-US" altLang="ko-KR" sz="3200" dirty="0"/>
-              <a:t>, </a:t>
-            </a:r>
-            <a:r>
-              <a:rPr lang="ko-KR" altLang="en-US" sz="3200" dirty="0"/>
-              <a:t>등수에 따라 소정의 상품도 제공됩니다</a:t>
-            </a:r>
-            <a:r>
-              <a:rPr lang="en-US" altLang="ko-KR" sz="3200" dirty="0"/>
-              <a:t>!</a:t>
-            </a:r>
-          </a:p>
-        </p:txBody>
-      </p:sp>
-    </p:spTree>
-    <p:extLst>
-      <p:ext uri="{BB962C8B-B14F-4D97-AF65-F5344CB8AC3E}">
-        <p14:creationId xmlns:p14="http://schemas.microsoft.com/office/powerpoint/2010/main" val="3157067607"/>
-      </p:ext>
-    </p:extLst>
-  </p:cSld>
-  <p:clrMapOvr>
-    <a:masterClrMapping/>
-  </p:clrMapOvr>
-</p:sld>
-</file>
-
 <file path=ppt/slides/slide5.xml><?xml version="1.0" encoding="utf-8"?>
 <p:sld xmlns:a="http://schemas.openxmlformats.org/drawingml/2006/main" xmlns:r="http://schemas.openxmlformats.org/officeDocument/2006/relationships" xmlns:p="http://schemas.openxmlformats.org/presentationml/2006/main">
   <p:cSld>
